--- a/lecture-01/lecture-01.pptx
+++ b/lecture-01/lecture-01.pptx
@@ -179,6 +179,42 @@
 
 <file path=ppt/changesInfos/changesInfo1.xml><?xml version="1.0" encoding="utf-8"?>
 <pc:chgInfo xmlns:a="http://schemas.openxmlformats.org/drawingml/2006/main" xmlns:r="http://schemas.openxmlformats.org/officeDocument/2006/relationships" xmlns:ac="http://schemas.microsoft.com/office/drawing/2013/main/command" xmlns:pc="http://schemas.microsoft.com/office/powerpoint/2013/main/command">
+  <pc:docChgLst>
+    <pc:chgData name="Neema, Sandeep" userId="S::sandeep.neema@vanderbilt.edu::161587dc-acfb-4c73-a5db-c57a701a5ccc" providerId="AD" clId="Web-{B8EFCEC9-CC87-E660-D772-93B6D51E9998}"/>
+    <pc:docChg chg="modSld">
+      <pc:chgData name="Neema, Sandeep" userId="S::sandeep.neema@vanderbilt.edu::161587dc-acfb-4c73-a5db-c57a701a5ccc" providerId="AD" clId="Web-{B8EFCEC9-CC87-E660-D772-93B6D51E9998}" dt="2023-08-01T22:40:03.743" v="3"/>
+      <pc:docMkLst>
+        <pc:docMk/>
+      </pc:docMkLst>
+      <pc:sldChg chg="modSp addCm">
+        <pc:chgData name="Neema, Sandeep" userId="S::sandeep.neema@vanderbilt.edu::161587dc-acfb-4c73-a5db-c57a701a5ccc" providerId="AD" clId="Web-{B8EFCEC9-CC87-E660-D772-93B6D51E9998}" dt="2023-08-01T22:40:03.743" v="3"/>
+        <pc:sldMkLst>
+          <pc:docMk/>
+          <pc:sldMk cId="1474033881" sldId="263"/>
+        </pc:sldMkLst>
+        <pc:spChg chg="mod">
+          <ac:chgData name="Neema, Sandeep" userId="S::sandeep.neema@vanderbilt.edu::161587dc-acfb-4c73-a5db-c57a701a5ccc" providerId="AD" clId="Web-{B8EFCEC9-CC87-E660-D772-93B6D51E9998}" dt="2023-08-01T22:34:38.595" v="2" actId="20577"/>
+          <ac:spMkLst>
+            <pc:docMk/>
+            <pc:sldMk cId="1474033881" sldId="263"/>
+            <ac:spMk id="2" creationId="{FF9DAC35-3135-F5E9-A82A-1373C633EBBB}"/>
+          </ac:spMkLst>
+        </pc:spChg>
+        <pc:extLst>
+          <p:ext xmlns:p="http://schemas.openxmlformats.org/presentationml/2006/main" uri="{D6D511B9-2390-475A-947B-AFAB55BFBCF1}">
+            <pc226:cmChg xmlns:pc226="http://schemas.microsoft.com/office/powerpoint/2022/06/main/command" chg="add">
+              <pc226:chgData name="Neema, Sandeep" userId="S::sandeep.neema@vanderbilt.edu::161587dc-acfb-4c73-a5db-c57a701a5ccc" providerId="AD" clId="Web-{B8EFCEC9-CC87-E660-D772-93B6D51E9998}" dt="2023-08-01T22:40:03.743" v="3"/>
+              <pc2:cmMkLst xmlns:pc2="http://schemas.microsoft.com/office/powerpoint/2019/9/main/command">
+                <pc:docMk/>
+                <pc:sldMk cId="1474033881" sldId="263"/>
+                <pc2:cmMk id="{D8A1065B-2D97-4ECB-9625-CC720D6893F8}"/>
+              </pc2:cmMkLst>
+            </pc226:cmChg>
+          </p:ext>
+        </pc:extLst>
+      </pc:sldChg>
+    </pc:docChg>
+  </pc:docChgLst>
   <pc:docChgLst>
     <pc:chgData name="Hedgecock, Will" userId="d8a56482-150b-41a5-9e21-45849437e2ea" providerId="ADAL" clId="{6662679F-28A8-F24D-94C8-89730EEB8D30}"/>
     <pc:docChg chg="undo custSel addSld delSld modSld sldOrd modMainMaster">
@@ -998,42 +1034,6 @@
       </pc:sldChg>
     </pc:docChg>
   </pc:docChgLst>
-  <pc:docChgLst>
-    <pc:chgData name="Neema, Sandeep" userId="S::sandeep.neema@vanderbilt.edu::161587dc-acfb-4c73-a5db-c57a701a5ccc" providerId="AD" clId="Web-{B8EFCEC9-CC87-E660-D772-93B6D51E9998}"/>
-    <pc:docChg chg="modSld">
-      <pc:chgData name="Neema, Sandeep" userId="S::sandeep.neema@vanderbilt.edu::161587dc-acfb-4c73-a5db-c57a701a5ccc" providerId="AD" clId="Web-{B8EFCEC9-CC87-E660-D772-93B6D51E9998}" dt="2023-08-01T22:40:03.743" v="3"/>
-      <pc:docMkLst>
-        <pc:docMk/>
-      </pc:docMkLst>
-      <pc:sldChg chg="modSp addCm">
-        <pc:chgData name="Neema, Sandeep" userId="S::sandeep.neema@vanderbilt.edu::161587dc-acfb-4c73-a5db-c57a701a5ccc" providerId="AD" clId="Web-{B8EFCEC9-CC87-E660-D772-93B6D51E9998}" dt="2023-08-01T22:40:03.743" v="3"/>
-        <pc:sldMkLst>
-          <pc:docMk/>
-          <pc:sldMk cId="1474033881" sldId="263"/>
-        </pc:sldMkLst>
-        <pc:spChg chg="mod">
-          <ac:chgData name="Neema, Sandeep" userId="S::sandeep.neema@vanderbilt.edu::161587dc-acfb-4c73-a5db-c57a701a5ccc" providerId="AD" clId="Web-{B8EFCEC9-CC87-E660-D772-93B6D51E9998}" dt="2023-08-01T22:34:38.595" v="2" actId="20577"/>
-          <ac:spMkLst>
-            <pc:docMk/>
-            <pc:sldMk cId="1474033881" sldId="263"/>
-            <ac:spMk id="2" creationId="{FF9DAC35-3135-F5E9-A82A-1373C633EBBB}"/>
-          </ac:spMkLst>
-        </pc:spChg>
-        <pc:extLst>
-          <p:ext xmlns:p="http://schemas.openxmlformats.org/presentationml/2006/main" uri="{D6D511B9-2390-475A-947B-AFAB55BFBCF1}">
-            <pc226:cmChg xmlns:pc226="http://schemas.microsoft.com/office/powerpoint/2022/06/main/command" chg="add">
-              <pc226:chgData name="Neema, Sandeep" userId="S::sandeep.neema@vanderbilt.edu::161587dc-acfb-4c73-a5db-c57a701a5ccc" providerId="AD" clId="Web-{B8EFCEC9-CC87-E660-D772-93B6D51E9998}" dt="2023-08-01T22:40:03.743" v="3"/>
-              <pc2:cmMkLst xmlns:pc2="http://schemas.microsoft.com/office/powerpoint/2019/9/main/command">
-                <pc:docMk/>
-                <pc:sldMk cId="1474033881" sldId="263"/>
-                <pc2:cmMk id="{D8A1065B-2D97-4ECB-9625-CC720D6893F8}"/>
-              </pc2:cmMkLst>
-            </pc226:cmChg>
-          </p:ext>
-        </pc:extLst>
-      </pc:sldChg>
-    </pc:docChg>
-  </pc:docChgLst>
 </pc:chgInfo>
 </file>
 
@@ -1119,7 +1119,7 @@
           <a:p>
             <a:fld id="{693B8905-4EB3-3F48-990F-1B6C3892205F}" type="datetimeFigureOut">
               <a:rPr lang="en-US" smtClean="0"/>
-              <a:t>8/23/23</a:t>
+              <a:t>8/24/23</a:t>
             </a:fld>
             <a:endParaRPr lang="en-US"/>
           </a:p>
@@ -1957,7 +1957,7 @@
           <a:p>
             <a:fld id="{AB6FFB1D-2CDD-CF44-93B1-657627E239FD}" type="datetimeFigureOut">
               <a:rPr lang="en-US" smtClean="0"/>
-              <a:t>8/23/23</a:t>
+              <a:t>8/24/23</a:t>
             </a:fld>
             <a:endParaRPr lang="en-US"/>
           </a:p>
@@ -5995,7 +5995,7 @@
           <a:p>
             <a:fld id="{AB6FFB1D-2CDD-CF44-93B1-657627E239FD}" type="datetimeFigureOut">
               <a:rPr lang="en-US" smtClean="0"/>
-              <a:t>8/23/23</a:t>
+              <a:t>8/24/23</a:t>
             </a:fld>
             <a:endParaRPr lang="en-US"/>
           </a:p>
@@ -10094,14 +10094,14 @@
             <p:ph idx="1"/>
             <p:extLst>
               <p:ext uri="{D42A27DB-BD31-4B8C-83A1-F6EECF244321}">
-                <p14:modId xmlns:p14="http://schemas.microsoft.com/office/powerpoint/2010/main" val="2576484351"/>
+                <p14:modId xmlns:p14="http://schemas.microsoft.com/office/powerpoint/2010/main" val="3607725751"/>
               </p:ext>
             </p:extLst>
           </p:nvPr>
         </p:nvGraphicFramePr>
         <p:xfrm>
-          <a:off x="457200" y="823381"/>
-          <a:ext cx="8229600" cy="3474720"/>
+          <a:off x="457200" y="882650"/>
+          <a:ext cx="8229600" cy="3246120"/>
         </p:xfrm>
         <a:graphic>
           <a:graphicData uri="http://schemas.openxmlformats.org/drawingml/2006/table">
@@ -10333,52 +10333,6 @@
                         <a:rPr lang="en-US" sz="1200" dirty="0"/>
                         <a:t>Tuesday</a:t>
                       </a:r>
-                    </a:p>
-                  </a:txBody>
-                  <a:tcPr marL="0" marR="0" marT="0" marB="0" anchor="ctr"/>
-                </a:tc>
-                <a:tc>
-                  <a:txBody>
-                    <a:bodyPr/>
-                    <a:lstStyle/>
-                    <a:p>
-                      <a:pPr algn="ctr"/>
-                      <a:r>
-                        <a:rPr lang="en-US" sz="1200" dirty="0"/>
-                        <a:t>2pm – 3pm</a:t>
-                      </a:r>
-                    </a:p>
-                  </a:txBody>
-                  <a:tcPr marL="0" marR="0" marT="0" marB="0" anchor="ctr"/>
-                </a:tc>
-                <a:tc>
-                  <a:txBody>
-                    <a:bodyPr/>
-                    <a:lstStyle/>
-                    <a:p>
-                      <a:pPr algn="ctr"/>
-                      <a:r>
-                        <a:rPr lang="en-US" sz="1200" dirty="0"/>
-                        <a:t>Will Hedgecock</a:t>
-                      </a:r>
-                    </a:p>
-                  </a:txBody>
-                  <a:tcPr marL="0" marR="0" marT="0" marB="0" anchor="ctr"/>
-                </a:tc>
-                <a:extLst>
-                  <a:ext uri="{0D108BD9-81ED-4DB2-BD59-A6C34878D82A}">
-                    <a16:rowId xmlns:a16="http://schemas.microsoft.com/office/drawing/2014/main" val="945644520"/>
-                  </a:ext>
-                </a:extLst>
-              </a:tr>
-              <a:tr h="228600">
-                <a:tc>
-                  <a:txBody>
-                    <a:bodyPr/>
-                    <a:lstStyle/>
-                    <a:p>
-                      <a:pPr algn="ctr"/>
-                      <a:endParaRPr lang="en-US" sz="1200" dirty="0"/>
                     </a:p>
                   </a:txBody>
                   <a:tcPr marL="0" marR="0" marT="0" marB="0" anchor="ctr"/>
@@ -12056,7 +12010,7 @@
           <a:lstStyle/>
           <a:p>
             <a:r>
-              <a:rPr lang="en-US"/>
+              <a:rPr lang="en-US" dirty="0"/>
               <a:t>Before Next Class</a:t>
             </a:r>
           </a:p>
@@ -12122,13 +12076,15 @@
           <a:p>
             <a:r>
               <a:rPr lang="en-US" dirty="0"/>
-              <a:t>Verify access to Brightspace </a:t>
-            </a:r>
-            <a:r>
-              <a:rPr lang="en-US"/>
-              <a:t>and Piazza</a:t>
-            </a:r>
-            <a:endParaRPr lang="en-US" dirty="0"/>
+              <a:t>Verify access to Brightspace and Piazza</a:t>
+            </a:r>
+          </a:p>
+          <a:p>
+            <a:pPr lvl="1"/>
+            <a:r>
+              <a:rPr lang="en-US" dirty="0"/>
+              <a:t>Do first reading assignment</a:t>
+            </a:r>
           </a:p>
         </p:txBody>
       </p:sp>

--- a/lecture-01/lecture-01.pptx
+++ b/lecture-01/lecture-01.pptx
@@ -13771,7 +13771,15 @@
             <a:pPr lvl="2"/>
             <a:r>
               <a:rPr lang="en-US" dirty="0"/>
-              <a:t>You should never be prompted to do enter these credentials again</a:t>
+              <a:t>You should never be prompted </a:t>
+            </a:r>
+            <a:r>
+              <a:rPr lang="en-US"/>
+              <a:t>to enter </a:t>
+            </a:r>
+            <a:r>
+              <a:rPr lang="en-US" dirty="0"/>
+              <a:t>these credentials again</a:t>
             </a:r>
           </a:p>
           <a:p>
